--- a/Presentation.pptx
+++ b/Presentation.pptx
@@ -114,6 +114,11 @@
       </a:defRPr>
     </a:lvl9pPr>
   </p:defaultTextStyle>
+  <p:extLst>
+    <p:ext uri="{EFAFB233-063F-42B5-8137-9DF3F51BA10A}">
+      <p15:sldGuideLst xmlns:p15="http://schemas.microsoft.com/office/powerpoint/2012/main"/>
+    </p:ext>
+  </p:extLst>
 </p:presentation>
 </file>
 
@@ -303,7 +308,7 @@
           <a:p>
             <a:fld id="{F7508BC9-2124-4A42-AD12-7C79D84A1165}" type="datetimeFigureOut">
               <a:rPr lang="uk-UA" smtClean="0"/>
-              <a:t>12.05.2019</a:t>
+              <a:t>14.05.2019</a:t>
             </a:fld>
             <a:endParaRPr lang="uk-UA"/>
           </a:p>
@@ -578,7 +583,7 @@
           <a:p>
             <a:fld id="{F7508BC9-2124-4A42-AD12-7C79D84A1165}" type="datetimeFigureOut">
               <a:rPr lang="uk-UA" smtClean="0"/>
-              <a:t>12.05.2019</a:t>
+              <a:t>14.05.2019</a:t>
             </a:fld>
             <a:endParaRPr lang="uk-UA"/>
           </a:p>
@@ -772,7 +777,7 @@
           <a:p>
             <a:fld id="{F7508BC9-2124-4A42-AD12-7C79D84A1165}" type="datetimeFigureOut">
               <a:rPr lang="uk-UA" smtClean="0"/>
-              <a:t>12.05.2019</a:t>
+              <a:t>14.05.2019</a:t>
             </a:fld>
             <a:endParaRPr lang="uk-UA"/>
           </a:p>
@@ -1045,7 +1050,7 @@
           <a:p>
             <a:fld id="{F7508BC9-2124-4A42-AD12-7C79D84A1165}" type="datetimeFigureOut">
               <a:rPr lang="uk-UA" smtClean="0"/>
-              <a:t>12.05.2019</a:t>
+              <a:t>14.05.2019</a:t>
             </a:fld>
             <a:endParaRPr lang="uk-UA"/>
           </a:p>
@@ -1386,7 +1391,7 @@
           <a:p>
             <a:fld id="{F7508BC9-2124-4A42-AD12-7C79D84A1165}" type="datetimeFigureOut">
               <a:rPr lang="uk-UA" smtClean="0"/>
-              <a:t>12.05.2019</a:t>
+              <a:t>14.05.2019</a:t>
             </a:fld>
             <a:endParaRPr lang="uk-UA"/>
           </a:p>
@@ -2009,7 +2014,7 @@
           <a:p>
             <a:fld id="{F7508BC9-2124-4A42-AD12-7C79D84A1165}" type="datetimeFigureOut">
               <a:rPr lang="uk-UA" smtClean="0"/>
-              <a:t>12.05.2019</a:t>
+              <a:t>14.05.2019</a:t>
             </a:fld>
             <a:endParaRPr lang="uk-UA"/>
           </a:p>
@@ -2869,7 +2874,7 @@
           <a:p>
             <a:fld id="{F7508BC9-2124-4A42-AD12-7C79D84A1165}" type="datetimeFigureOut">
               <a:rPr lang="uk-UA" smtClean="0"/>
-              <a:t>12.05.2019</a:t>
+              <a:t>14.05.2019</a:t>
             </a:fld>
             <a:endParaRPr lang="uk-UA"/>
           </a:p>
@@ -3039,7 +3044,7 @@
           <a:p>
             <a:fld id="{F7508BC9-2124-4A42-AD12-7C79D84A1165}" type="datetimeFigureOut">
               <a:rPr lang="uk-UA" smtClean="0"/>
-              <a:t>12.05.2019</a:t>
+              <a:t>14.05.2019</a:t>
             </a:fld>
             <a:endParaRPr lang="uk-UA"/>
           </a:p>
@@ -3219,7 +3224,7 @@
           <a:p>
             <a:fld id="{F7508BC9-2124-4A42-AD12-7C79D84A1165}" type="datetimeFigureOut">
               <a:rPr lang="uk-UA" smtClean="0"/>
-              <a:t>12.05.2019</a:t>
+              <a:t>14.05.2019</a:t>
             </a:fld>
             <a:endParaRPr lang="uk-UA"/>
           </a:p>
@@ -3389,7 +3394,7 @@
           <a:p>
             <a:fld id="{F7508BC9-2124-4A42-AD12-7C79D84A1165}" type="datetimeFigureOut">
               <a:rPr lang="uk-UA" smtClean="0"/>
-              <a:t>12.05.2019</a:t>
+              <a:t>14.05.2019</a:t>
             </a:fld>
             <a:endParaRPr lang="uk-UA"/>
           </a:p>
@@ -3636,7 +3641,7 @@
           <a:p>
             <a:fld id="{F7508BC9-2124-4A42-AD12-7C79D84A1165}" type="datetimeFigureOut">
               <a:rPr lang="uk-UA" smtClean="0"/>
-              <a:t>12.05.2019</a:t>
+              <a:t>14.05.2019</a:t>
             </a:fld>
             <a:endParaRPr lang="uk-UA"/>
           </a:p>
@@ -3928,7 +3933,7 @@
           <a:p>
             <a:fld id="{F7508BC9-2124-4A42-AD12-7C79D84A1165}" type="datetimeFigureOut">
               <a:rPr lang="uk-UA" smtClean="0"/>
-              <a:t>12.05.2019</a:t>
+              <a:t>14.05.2019</a:t>
             </a:fld>
             <a:endParaRPr lang="uk-UA"/>
           </a:p>
@@ -4372,7 +4377,7 @@
           <a:p>
             <a:fld id="{F7508BC9-2124-4A42-AD12-7C79D84A1165}" type="datetimeFigureOut">
               <a:rPr lang="uk-UA" smtClean="0"/>
-              <a:t>12.05.2019</a:t>
+              <a:t>14.05.2019</a:t>
             </a:fld>
             <a:endParaRPr lang="uk-UA"/>
           </a:p>
@@ -4490,7 +4495,7 @@
           <a:p>
             <a:fld id="{F7508BC9-2124-4A42-AD12-7C79D84A1165}" type="datetimeFigureOut">
               <a:rPr lang="uk-UA" smtClean="0"/>
-              <a:t>12.05.2019</a:t>
+              <a:t>14.05.2019</a:t>
             </a:fld>
             <a:endParaRPr lang="uk-UA"/>
           </a:p>
@@ -4585,7 +4590,7 @@
           <a:p>
             <a:fld id="{F7508BC9-2124-4A42-AD12-7C79D84A1165}" type="datetimeFigureOut">
               <a:rPr lang="uk-UA" smtClean="0"/>
-              <a:t>12.05.2019</a:t>
+              <a:t>14.05.2019</a:t>
             </a:fld>
             <a:endParaRPr lang="uk-UA"/>
           </a:p>
@@ -4864,7 +4869,7 @@
           <a:p>
             <a:fld id="{F7508BC9-2124-4A42-AD12-7C79D84A1165}" type="datetimeFigureOut">
               <a:rPr lang="uk-UA" smtClean="0"/>
-              <a:t>12.05.2019</a:t>
+              <a:t>14.05.2019</a:t>
             </a:fld>
             <a:endParaRPr lang="uk-UA"/>
           </a:p>
@@ -5139,7 +5144,7 @@
           <a:p>
             <a:fld id="{F7508BC9-2124-4A42-AD12-7C79D84A1165}" type="datetimeFigureOut">
               <a:rPr lang="uk-UA" smtClean="0"/>
-              <a:t>12.05.2019</a:t>
+              <a:t>14.05.2019</a:t>
             </a:fld>
             <a:endParaRPr lang="uk-UA"/>
           </a:p>
@@ -5568,7 +5573,7 @@
           <a:p>
             <a:fld id="{F7508BC9-2124-4A42-AD12-7C79D84A1165}" type="datetimeFigureOut">
               <a:rPr lang="uk-UA" smtClean="0"/>
-              <a:t>12.05.2019</a:t>
+              <a:t>14.05.2019</a:t>
             </a:fld>
             <a:endParaRPr lang="uk-UA"/>
           </a:p>
@@ -6250,7 +6255,11 @@
             </a:r>
             <a:r>
               <a:rPr lang="en-US" dirty="0" smtClean="0"/>
-              <a:t>programing. My program can be useful for educational purpose and for solving any tasks that need finding shortest paths.</a:t>
+              <a:t>programing. My program can be useful for educational purpose and for solving any tasks that need finding shortest </a:t>
+            </a:r>
+            <a:r>
+              <a:rPr lang="en-US" dirty="0" smtClean="0"/>
+              <a:t>paths in graph.</a:t>
             </a:r>
             <a:endParaRPr lang="uk-UA" dirty="0"/>
           </a:p>
@@ -6921,25 +6930,6 @@
               <a:rPr lang="en-US" dirty="0" smtClean="0"/>
               <a:t>Main part of program</a:t>
             </a:r>
-            <a:endParaRPr lang="uk-UA" dirty="0"/>
-          </a:p>
-        </p:txBody>
-      </p:sp>
-      <p:sp>
-        <p:nvSpPr>
-          <p:cNvPr id="3" name="Місце для вмісту 2"/>
-          <p:cNvSpPr>
-            <a:spLocks noGrp="1"/>
-          </p:cNvSpPr>
-          <p:nvPr>
-            <p:ph idx="1"/>
-          </p:nvPr>
-        </p:nvSpPr>
-        <p:spPr/>
-        <p:txBody>
-          <a:bodyPr/>
-          <a:lstStyle/>
-          <a:p>
             <a:endParaRPr lang="uk-UA" dirty="0"/>
           </a:p>
         </p:txBody>
@@ -7027,7 +7017,7 @@
                 </a:spcAft>
               </a:pPr>
               <a:r>
-                <a:rPr lang="en-US" sz="1100">
+                <a:rPr lang="en-US" sz="1100" dirty="0">
                   <a:effectLst/>
                   <a:latin typeface="Times New Roman" panose="02020603050405020304" pitchFamily="18" charset="0"/>
                   <a:ea typeface="Calibri" panose="020F0502020204030204" pitchFamily="34" charset="0"/>
@@ -7035,7 +7025,7 @@
                 </a:rPr>
                 <a:t>Start</a:t>
               </a:r>
-              <a:endParaRPr lang="uk-UA" sz="1100">
+              <a:endParaRPr lang="uk-UA" sz="1100" dirty="0">
                 <a:effectLst/>
                 <a:ea typeface="Calibri" panose="020F0502020204030204" pitchFamily="34" charset="0"/>
                 <a:cs typeface="Times New Roman" panose="02020603050405020304" pitchFamily="18" charset="0"/>
@@ -7368,14 +7358,21 @@
                 </a:spcAft>
               </a:pPr>
               <a:r>
-                <a:rPr lang="en-US" sz="1200">
+                <a:rPr lang="en-US" sz="1200" dirty="0">
                   <a:effectLst/>
                   <a:latin typeface="Times New Roman" panose="02020603050405020304" pitchFamily="18" charset="0"/>
                   <a:ea typeface="Times New Roman" panose="02020603050405020304" pitchFamily="18" charset="0"/>
                 </a:rPr>
-                <a:t>New is smaller</a:t>
+                <a:t>New is </a:t>
               </a:r>
-              <a:endParaRPr lang="uk-UA" sz="1200">
+              <a:r>
+                <a:rPr lang="en-US" sz="1200" dirty="0" smtClean="0">
+                  <a:latin typeface="Times New Roman" panose="02020603050405020304" pitchFamily="18" charset="0"/>
+                  <a:ea typeface="Times New Roman" panose="02020603050405020304" pitchFamily="18" charset="0"/>
+                </a:rPr>
+                <a:t>shorter</a:t>
+              </a:r>
+              <a:endParaRPr lang="uk-UA" sz="1200" dirty="0">
                 <a:effectLst/>
                 <a:latin typeface="Times New Roman" panose="02020603050405020304" pitchFamily="18" charset="0"/>
                 <a:ea typeface="Times New Roman" panose="02020603050405020304" pitchFamily="18" charset="0"/>
